--- a/doc/Pattern/15_Ch02_FactoryPattern.pptx
+++ b/doc/Pattern/15_Ch02_FactoryPattern.pptx
@@ -223,7 +223,7 @@
             <a:fld id="{42650A08-1FBC-433B-9B88-98D5F8B842CD}" type="datetimeFigureOut">
               <a:rPr lang="en-US" smtClean="0"/>
               <a:pPr/>
-              <a:t>3/20/2017</a:t>
+              <a:t>3/21/2017</a:t>
             </a:fld>
             <a:endParaRPr lang="en-US"/>
           </a:p>
@@ -677,7 +677,7 @@
             <a:fld id="{20DBA455-7F56-4B23-8C82-E4D287D136B3}" type="datetime1">
               <a:rPr lang="en-US" smtClean="0"/>
               <a:pPr/>
-              <a:t>3/20/2017</a:t>
+              <a:t>3/21/2017</a:t>
             </a:fld>
             <a:endParaRPr lang="en-US"/>
           </a:p>
@@ -885,7 +885,7 @@
             <a:fld id="{6FF125D9-66EE-4E3E-BC82-15E0BEAA237B}" type="datetime1">
               <a:rPr lang="en-US" smtClean="0"/>
               <a:pPr/>
-              <a:t>3/20/2017</a:t>
+              <a:t>3/21/2017</a:t>
             </a:fld>
             <a:endParaRPr lang="en-US"/>
           </a:p>
@@ -1067,7 +1067,7 @@
             <a:fld id="{14E4EB4F-BE98-498F-B5C2-6D6FF577F12E}" type="datetime1">
               <a:rPr lang="en-US" smtClean="0"/>
               <a:pPr/>
-              <a:t>3/20/2017</a:t>
+              <a:t>3/21/2017</a:t>
             </a:fld>
             <a:endParaRPr lang="en-US"/>
           </a:p>
@@ -1930,7 +1930,7 @@
                 </a:solidFill>
               </a:rPr>
               <a:pPr/>
-              <a:t>3/20/2017</a:t>
+              <a:t>3/21/2017</a:t>
             </a:fld>
             <a:endParaRPr lang="en-US">
               <a:solidFill>
@@ -2144,7 +2144,7 @@
                 </a:solidFill>
               </a:rPr>
               <a:pPr/>
-              <a:t>3/20/2017</a:t>
+              <a:t>3/21/2017</a:t>
             </a:fld>
             <a:endParaRPr lang="en-US">
               <a:solidFill>
@@ -2440,7 +2440,7 @@
                 </a:solidFill>
               </a:rPr>
               <a:pPr/>
-              <a:t>3/20/2017</a:t>
+              <a:t>3/21/2017</a:t>
             </a:fld>
             <a:endParaRPr lang="en-US">
               <a:solidFill>
@@ -2765,7 +2765,7 @@
                 </a:solidFill>
               </a:rPr>
               <a:pPr/>
-              <a:t>3/20/2017</a:t>
+              <a:t>3/21/2017</a:t>
             </a:fld>
             <a:endParaRPr lang="en-US">
               <a:solidFill>
@@ -3172,7 +3172,7 @@
                 </a:solidFill>
               </a:rPr>
               <a:pPr/>
-              <a:t>3/20/2017</a:t>
+              <a:t>3/21/2017</a:t>
             </a:fld>
             <a:endParaRPr lang="en-US">
               <a:solidFill>
@@ -3323,7 +3323,7 @@
                 </a:solidFill>
               </a:rPr>
               <a:pPr/>
-              <a:t>3/20/2017</a:t>
+              <a:t>3/21/2017</a:t>
             </a:fld>
             <a:endParaRPr lang="en-US">
               <a:solidFill>
@@ -3446,7 +3446,7 @@
                 </a:solidFill>
               </a:rPr>
               <a:pPr/>
-              <a:t>3/20/2017</a:t>
+              <a:t>3/21/2017</a:t>
             </a:fld>
             <a:endParaRPr lang="en-US">
               <a:solidFill>
@@ -3729,7 +3729,7 @@
                 </a:solidFill>
               </a:rPr>
               <a:pPr/>
-              <a:t>3/20/2017</a:t>
+              <a:t>3/21/2017</a:t>
             </a:fld>
             <a:endParaRPr lang="en-US">
               <a:solidFill>
@@ -3921,7 +3921,7 @@
             <a:fld id="{7E26ABC0-02D2-4791-BA93-BE3538C06062}" type="datetime1">
               <a:rPr lang="en-US" smtClean="0"/>
               <a:pPr/>
-              <a:t>3/20/2017</a:t>
+              <a:t>3/21/2017</a:t>
             </a:fld>
             <a:endParaRPr lang="en-US"/>
           </a:p>
@@ -4205,7 +4205,7 @@
                 </a:solidFill>
               </a:rPr>
               <a:pPr/>
-              <a:t>3/20/2017</a:t>
+              <a:t>3/21/2017</a:t>
             </a:fld>
             <a:endParaRPr lang="en-US">
               <a:solidFill>
@@ -4484,7 +4484,7 @@
                 </a:solidFill>
               </a:rPr>
               <a:pPr/>
-              <a:t>3/20/2017</a:t>
+              <a:t>3/21/2017</a:t>
             </a:fld>
             <a:endParaRPr lang="en-US">
               <a:solidFill>
@@ -4827,7 +4827,7 @@
                 </a:solidFill>
               </a:rPr>
               <a:pPr/>
-              <a:t>3/20/2017</a:t>
+              <a:t>3/21/2017</a:t>
             </a:fld>
             <a:endParaRPr lang="en-US">
               <a:solidFill>
@@ -5184,7 +5184,7 @@
                 </a:solidFill>
               </a:rPr>
               <a:pPr/>
-              <a:t>3/20/2017</a:t>
+              <a:t>3/21/2017</a:t>
             </a:fld>
             <a:endParaRPr lang="en-US">
               <a:solidFill>
@@ -5526,7 +5526,7 @@
                 </a:solidFill>
               </a:rPr>
               <a:pPr/>
-              <a:t>3/20/2017</a:t>
+              <a:t>3/21/2017</a:t>
             </a:fld>
             <a:endParaRPr lang="en-US">
               <a:solidFill>
@@ -5944,7 +5944,7 @@
                 </a:solidFill>
               </a:rPr>
               <a:pPr/>
-              <a:t>3/20/2017</a:t>
+              <a:t>3/21/2017</a:t>
             </a:fld>
             <a:endParaRPr lang="en-US">
               <a:solidFill>
@@ -6143,7 +6143,7 @@
                 </a:solidFill>
               </a:rPr>
               <a:pPr/>
-              <a:t>3/20/2017</a:t>
+              <a:t>3/21/2017</a:t>
             </a:fld>
             <a:endParaRPr lang="en-US">
               <a:solidFill>
@@ -6351,7 +6351,7 @@
                 </a:solidFill>
               </a:rPr>
               <a:pPr/>
-              <a:t>3/20/2017</a:t>
+              <a:t>3/21/2017</a:t>
             </a:fld>
             <a:endParaRPr lang="en-US">
               <a:solidFill>
@@ -6617,7 +6617,7 @@
             <a:fld id="{88794B8C-9C25-4502-91AC-D3600D9DAE48}" type="datetime1">
               <a:rPr lang="en-US" smtClean="0"/>
               <a:pPr/>
-              <a:t>3/20/2017</a:t>
+              <a:t>3/21/2017</a:t>
             </a:fld>
             <a:endParaRPr lang="en-US"/>
           </a:p>
@@ -6864,7 +6864,7 @@
             <a:fld id="{3DC8048B-2587-4881-92AB-D49A31D5A612}" type="datetime1">
               <a:rPr lang="en-US" smtClean="0"/>
               <a:pPr/>
-              <a:t>3/20/2017</a:t>
+              <a:t>3/21/2017</a:t>
             </a:fld>
             <a:endParaRPr lang="en-US"/>
           </a:p>
@@ -7233,7 +7233,7 @@
             <a:fld id="{54DCF270-1BF1-4750-86EA-2CBB5E03D75B}" type="datetime1">
               <a:rPr lang="en-US" smtClean="0"/>
               <a:pPr/>
-              <a:t>3/20/2017</a:t>
+              <a:t>3/21/2017</a:t>
             </a:fld>
             <a:endParaRPr lang="en-US"/>
           </a:p>
@@ -7353,7 +7353,7 @@
             <a:fld id="{55E553B1-3C32-45B8-8F45-E4A0B52DAE0D}" type="datetime1">
               <a:rPr lang="en-US" smtClean="0"/>
               <a:pPr/>
-              <a:t>3/20/2017</a:t>
+              <a:t>3/21/2017</a:t>
             </a:fld>
             <a:endParaRPr lang="en-US"/>
           </a:p>
@@ -7450,7 +7450,7 @@
             <a:fld id="{4F57D02A-8A53-43D3-B3ED-D08D89538281}" type="datetime1">
               <a:rPr lang="en-US" smtClean="0"/>
               <a:pPr/>
-              <a:t>3/20/2017</a:t>
+              <a:t>3/21/2017</a:t>
             </a:fld>
             <a:endParaRPr lang="en-US"/>
           </a:p>
@@ -7729,7 +7729,7 @@
             <a:fld id="{A918CE20-5FA2-4DEC-B586-21A327328F76}" type="datetime1">
               <a:rPr lang="en-US" smtClean="0"/>
               <a:pPr/>
-              <a:t>3/20/2017</a:t>
+              <a:t>3/21/2017</a:t>
             </a:fld>
             <a:endParaRPr lang="en-US"/>
           </a:p>
@@ -7988,7 +7988,7 @@
             <a:fld id="{0825CDBA-26A6-4F2A-A4E2-0E196F0AF72F}" type="datetime1">
               <a:rPr lang="en-US" smtClean="0"/>
               <a:pPr/>
-              <a:t>3/20/2017</a:t>
+              <a:t>3/21/2017</a:t>
             </a:fld>
             <a:endParaRPr lang="en-US"/>
           </a:p>
@@ -8203,7 +8203,7 @@
             <a:fld id="{DFAFDBB9-A580-4805-9C7E-9E45C09329B9}" type="datetime1">
               <a:rPr lang="en-US" smtClean="0"/>
               <a:pPr/>
-              <a:t>3/20/2017</a:t>
+              <a:t>3/21/2017</a:t>
             </a:fld>
             <a:endParaRPr lang="en-US"/>
           </a:p>
@@ -9362,7 +9362,7 @@
                 </a:solidFill>
               </a:rPr>
               <a:pPr/>
-              <a:t>3/20/2017</a:t>
+              <a:t>3/21/2017</a:t>
             </a:fld>
             <a:endParaRPr lang="en-US">
               <a:solidFill>
@@ -9977,7 +9977,7 @@
                   </a:outerShdw>
                 </a:effectLst>
               </a:rPr>
-              <a:t>Java</a:t>
+              <a:t>Java Design Pattern</a:t>
             </a:r>
             <a:r>
               <a:rPr lang="en-US" altLang="zh-TW" b="1" dirty="0" smtClean="0"/>
@@ -10049,38 +10049,6 @@
           </a:p>
         </p:txBody>
       </p:sp>
-      <p:pic>
-        <p:nvPicPr>
-          <p:cNvPr id="2" name="Picture 2"/>
-          <p:cNvPicPr>
-            <a:picLocks noChangeAspect="1" noChangeArrowheads="1"/>
-          </p:cNvPicPr>
-          <p:nvPr/>
-        </p:nvPicPr>
-        <p:blipFill>
-          <a:blip r:embed="rId4" cstate="print"/>
-          <a:srcRect/>
-          <a:stretch>
-            <a:fillRect/>
-          </a:stretch>
-        </p:blipFill>
-        <p:spPr bwMode="auto">
-          <a:xfrm>
-            <a:off x="4090786" y="4296228"/>
-            <a:ext cx="842485" cy="667203"/>
-          </a:xfrm>
-          <a:prstGeom prst="rect">
-            <a:avLst/>
-          </a:prstGeom>
-          <a:noFill/>
-          <a:ln w="9525">
-            <a:noFill/>
-            <a:miter lim="800000"/>
-            <a:headEnd/>
-            <a:tailEnd/>
-          </a:ln>
-        </p:spPr>
-      </p:pic>
       <p:pic>
         <p:nvPicPr>
           <p:cNvPr id="7" name="Picture 2"/>
@@ -10301,7 +10269,7 @@
             <a:pPr algn="ctr"/>
             <a:r>
               <a:rPr lang="en-US" dirty="0" smtClean="0"/>
-              <a:t>Design Pattern - CS596</a:t>
+              <a:t>Java Design Pattern - CS596</a:t>
             </a:r>
             <a:endParaRPr lang="en-US" dirty="0"/>
           </a:p>
@@ -10696,7 +10664,7 @@
             <a:pPr algn="ctr"/>
             <a:r>
               <a:rPr lang="en-US" dirty="0" smtClean="0"/>
-              <a:t>Design Pattern - CS596</a:t>
+              <a:t>Java Design Pattern - CS596</a:t>
             </a:r>
             <a:endParaRPr lang="en-US" dirty="0"/>
           </a:p>
@@ -11249,7 +11217,7 @@
             <a:pPr algn="ctr"/>
             <a:r>
               <a:rPr lang="en-US" dirty="0" smtClean="0"/>
-              <a:t>Design Pattern - CS596</a:t>
+              <a:t>Java Design Pattern - CS596</a:t>
             </a:r>
             <a:endParaRPr lang="en-US" dirty="0"/>
           </a:p>
@@ -11813,7 +11781,7 @@
             <a:pPr algn="ctr"/>
             <a:r>
               <a:rPr lang="en-US" dirty="0" smtClean="0"/>
-              <a:t>Design Pattern - CS596</a:t>
+              <a:t>Java Design Pattern - CS596</a:t>
             </a:r>
             <a:endParaRPr lang="en-US" dirty="0"/>
           </a:p>
@@ -12101,38 +12069,7 @@
                   </a:outerShdw>
                 </a:effectLst>
               </a:rPr>
-              <a:t>CHAPTER </a:t>
-            </a:r>
-            <a:r>
-              <a:rPr lang="en-US" sz="5400" b="1" smtClean="0">
-                <a:ln w="12700">
-                  <a:solidFill>
-                    <a:srgbClr val="2C3C43">
-                      <a:lumMod val="75000"/>
-                    </a:srgbClr>
-                  </a:solidFill>
-                  <a:prstDash val="solid"/>
-                </a:ln>
-                <a:pattFill prst="dkUpDiag">
-                  <a:fgClr>
-                    <a:srgbClr val="2C3C43"/>
-                  </a:fgClr>
-                  <a:bgClr>
-                    <a:srgbClr val="2C3C43">
-                      <a:lumMod val="20000"/>
-                      <a:lumOff val="80000"/>
-                    </a:srgbClr>
-                  </a:bgClr>
-                </a:pattFill>
-                <a:effectLst>
-                  <a:outerShdw dist="38100" dir="2640000" algn="bl" rotWithShape="0">
-                    <a:srgbClr val="2C3C43">
-                      <a:lumMod val="75000"/>
-                    </a:srgbClr>
-                  </a:outerShdw>
-                </a:effectLst>
-              </a:rPr>
-              <a:t>2</a:t>
+              <a:t>CHAPTER 2</a:t>
             </a:r>
             <a:endParaRPr lang="en-US" sz="5400" b="1" dirty="0">
               <a:ln w="12700">
@@ -12504,7 +12441,7 @@
             <a:pPr algn="ctr"/>
             <a:r>
               <a:rPr lang="en-US" dirty="0" smtClean="0"/>
-              <a:t>Design Pattern - CS596</a:t>
+              <a:t>Java Design Pattern - CS596</a:t>
             </a:r>
             <a:endParaRPr lang="en-US" dirty="0"/>
           </a:p>
@@ -12949,7 +12886,7 @@
             <a:pPr algn="ctr"/>
             <a:r>
               <a:rPr lang="en-US" dirty="0" smtClean="0"/>
-              <a:t>Design Pattern - CS596</a:t>
+              <a:t>Java Design Pattern - CS596</a:t>
             </a:r>
             <a:endParaRPr lang="en-US" dirty="0"/>
           </a:p>
@@ -13337,7 +13274,7 @@
             <a:pPr algn="ctr"/>
             <a:r>
               <a:rPr lang="en-US" dirty="0" smtClean="0"/>
-              <a:t>Design Pattern - CS596</a:t>
+              <a:t>Java Design Pattern - CS596</a:t>
             </a:r>
             <a:endParaRPr lang="en-US" dirty="0"/>
           </a:p>
@@ -13669,7 +13606,7 @@
             <a:pPr algn="ctr"/>
             <a:r>
               <a:rPr lang="en-US" dirty="0" smtClean="0"/>
-              <a:t>Design Pattern - CS596</a:t>
+              <a:t>Java Design Pattern - CS596</a:t>
             </a:r>
             <a:endParaRPr lang="en-US" dirty="0"/>
           </a:p>
@@ -14055,7 +13992,7 @@
             <a:pPr algn="ctr"/>
             <a:r>
               <a:rPr lang="en-US" dirty="0" smtClean="0"/>
-              <a:t>Design Pattern - CS596</a:t>
+              <a:t>Java Design Pattern - CS596</a:t>
             </a:r>
             <a:endParaRPr lang="en-US" dirty="0"/>
           </a:p>
@@ -14450,7 +14387,7 @@
             <a:pPr algn="ctr"/>
             <a:r>
               <a:rPr lang="en-US" dirty="0" smtClean="0"/>
-              <a:t>Design Pattern - CS596</a:t>
+              <a:t>Java Design Pattern - CS596</a:t>
             </a:r>
             <a:endParaRPr lang="en-US" dirty="0"/>
           </a:p>
